--- a/ppt 16-9/0255.凯旋曲.pptx
+++ b/ppt 16-9/0255.凯旋曲.pptx
@@ -129,7 +129,7 @@
           <p:cNvPr id="2" name="标题 1">
             <a:extLst>
               <a:ext uri="{FF2B5EF4-FFF2-40B4-BE49-F238E27FC236}">
-                <a16:creationId xmlns:a16="http://schemas.microsoft.com/office/drawing/2014/main" id="{A4A1B5CA-3FDE-5C77-1409-2647000B112C}"/>
+                <a16:creationId xmlns:a16="http://schemas.microsoft.com/office/drawing/2014/main" id="{52A1FE39-E310-58C5-9ACE-108808FBA703}"/>
               </a:ext>
             </a:extLst>
           </p:cNvPr>
@@ -166,7 +166,7 @@
           <p:cNvPr id="3" name="副标题 2">
             <a:extLst>
               <a:ext uri="{FF2B5EF4-FFF2-40B4-BE49-F238E27FC236}">
-                <a16:creationId xmlns:a16="http://schemas.microsoft.com/office/drawing/2014/main" id="{3C5FEB1F-7A81-9443-EE33-BD038ECF4648}"/>
+                <a16:creationId xmlns:a16="http://schemas.microsoft.com/office/drawing/2014/main" id="{8D8B045F-14FD-88EF-03EB-D7D0B80FD112}"/>
               </a:ext>
             </a:extLst>
           </p:cNvPr>
@@ -236,7 +236,7 @@
           <p:cNvPr id="4" name="日期占位符 3">
             <a:extLst>
               <a:ext uri="{FF2B5EF4-FFF2-40B4-BE49-F238E27FC236}">
-                <a16:creationId xmlns:a16="http://schemas.microsoft.com/office/drawing/2014/main" id="{75247B7D-5B1A-F04A-CD13-02AFF467034A}"/>
+                <a16:creationId xmlns:a16="http://schemas.microsoft.com/office/drawing/2014/main" id="{AD920FD2-55FB-F9C7-D05B-0FF4A14A489D}"/>
               </a:ext>
             </a:extLst>
           </p:cNvPr>
@@ -252,7 +252,7 @@
           <a:bodyPr/>
           <a:lstStyle/>
           <a:p>
-            <a:fld id="{F8277FB6-167B-422F-B3F1-AA19C09DCE61}" type="datetimeFigureOut">
+            <a:fld id="{3CDED86D-729B-4571-8F5B-A924490EA5F6}" type="datetimeFigureOut">
               <a:rPr lang="zh-CN" altLang="en-US" smtClean="0"/>
               <a:t>2024/3/10</a:t>
             </a:fld>
@@ -265,7 +265,7 @@
           <p:cNvPr id="5" name="页脚占位符 4">
             <a:extLst>
               <a:ext uri="{FF2B5EF4-FFF2-40B4-BE49-F238E27FC236}">
-                <a16:creationId xmlns:a16="http://schemas.microsoft.com/office/drawing/2014/main" id="{2D2347DC-7D43-F2AA-2D33-24CCFFD6023A}"/>
+                <a16:creationId xmlns:a16="http://schemas.microsoft.com/office/drawing/2014/main" id="{FA97E313-E2CC-1C04-6AA0-87D8A60AC5B2}"/>
               </a:ext>
             </a:extLst>
           </p:cNvPr>
@@ -290,7 +290,7 @@
           <p:cNvPr id="6" name="灯片编号占位符 5">
             <a:extLst>
               <a:ext uri="{FF2B5EF4-FFF2-40B4-BE49-F238E27FC236}">
-                <a16:creationId xmlns:a16="http://schemas.microsoft.com/office/drawing/2014/main" id="{E48BB036-9109-6AAE-FFBD-EBE34DDE884F}"/>
+                <a16:creationId xmlns:a16="http://schemas.microsoft.com/office/drawing/2014/main" id="{64459D5B-7ECB-1707-5841-595D46ED8F11}"/>
               </a:ext>
             </a:extLst>
           </p:cNvPr>
@@ -306,7 +306,7 @@
           <a:bodyPr/>
           <a:lstStyle/>
           <a:p>
-            <a:fld id="{47D19B23-0ECA-4758-B2AF-71BE52C36C56}" type="slidenum">
+            <a:fld id="{7CA3BEC4-9EC8-4A35-9F9F-A4314C783650}" type="slidenum">
               <a:rPr lang="zh-CN" altLang="en-US" smtClean="0"/>
               <a:t>‹#›</a:t>
             </a:fld>
@@ -317,7 +317,7 @@
     </p:spTree>
     <p:extLst>
       <p:ext uri="{BB962C8B-B14F-4D97-AF65-F5344CB8AC3E}">
-        <p14:creationId xmlns:p14="http://schemas.microsoft.com/office/powerpoint/2010/main" val="3666160725"/>
+        <p14:creationId xmlns:p14="http://schemas.microsoft.com/office/powerpoint/2010/main" val="3950868930"/>
       </p:ext>
     </p:extLst>
   </p:cSld>
@@ -349,7 +349,7 @@
           <p:cNvPr id="2" name="标题 1">
             <a:extLst>
               <a:ext uri="{FF2B5EF4-FFF2-40B4-BE49-F238E27FC236}">
-                <a16:creationId xmlns:a16="http://schemas.microsoft.com/office/drawing/2014/main" id="{BDD1C56B-2D0E-1F4A-D710-20ADC511F84D}"/>
+                <a16:creationId xmlns:a16="http://schemas.microsoft.com/office/drawing/2014/main" id="{0FBB378D-B34D-E5C6-45C2-F6D5B4B282C3}"/>
               </a:ext>
             </a:extLst>
           </p:cNvPr>
@@ -377,7 +377,7 @@
           <p:cNvPr id="3" name="竖排文字占位符 2">
             <a:extLst>
               <a:ext uri="{FF2B5EF4-FFF2-40B4-BE49-F238E27FC236}">
-                <a16:creationId xmlns:a16="http://schemas.microsoft.com/office/drawing/2014/main" id="{AD3F90D3-BA1B-E788-95C8-F84DD67B4CD2}"/>
+                <a16:creationId xmlns:a16="http://schemas.microsoft.com/office/drawing/2014/main" id="{10787EDF-DC39-565C-D17D-84DD304EC5D8}"/>
               </a:ext>
             </a:extLst>
           </p:cNvPr>
@@ -434,7 +434,7 @@
           <p:cNvPr id="4" name="日期占位符 3">
             <a:extLst>
               <a:ext uri="{FF2B5EF4-FFF2-40B4-BE49-F238E27FC236}">
-                <a16:creationId xmlns:a16="http://schemas.microsoft.com/office/drawing/2014/main" id="{C7D987CE-8189-0ED7-13CD-6B981D0E63C6}"/>
+                <a16:creationId xmlns:a16="http://schemas.microsoft.com/office/drawing/2014/main" id="{FDE0136B-31EA-6384-20C4-AB3B1A3F9652}"/>
               </a:ext>
             </a:extLst>
           </p:cNvPr>
@@ -450,7 +450,7 @@
           <a:bodyPr/>
           <a:lstStyle/>
           <a:p>
-            <a:fld id="{F8277FB6-167B-422F-B3F1-AA19C09DCE61}" type="datetimeFigureOut">
+            <a:fld id="{3CDED86D-729B-4571-8F5B-A924490EA5F6}" type="datetimeFigureOut">
               <a:rPr lang="zh-CN" altLang="en-US" smtClean="0"/>
               <a:t>2024/3/10</a:t>
             </a:fld>
@@ -463,7 +463,7 @@
           <p:cNvPr id="5" name="页脚占位符 4">
             <a:extLst>
               <a:ext uri="{FF2B5EF4-FFF2-40B4-BE49-F238E27FC236}">
-                <a16:creationId xmlns:a16="http://schemas.microsoft.com/office/drawing/2014/main" id="{D5BFD0E9-F304-5F61-84D1-56DB140CF1F7}"/>
+                <a16:creationId xmlns:a16="http://schemas.microsoft.com/office/drawing/2014/main" id="{A7E12866-EE2A-070A-F68E-E8C37D5FA8B7}"/>
               </a:ext>
             </a:extLst>
           </p:cNvPr>
@@ -488,7 +488,7 @@
           <p:cNvPr id="6" name="灯片编号占位符 5">
             <a:extLst>
               <a:ext uri="{FF2B5EF4-FFF2-40B4-BE49-F238E27FC236}">
-                <a16:creationId xmlns:a16="http://schemas.microsoft.com/office/drawing/2014/main" id="{D3F8B9EC-FDD3-A8F5-23AE-CA1CFDFDE9DE}"/>
+                <a16:creationId xmlns:a16="http://schemas.microsoft.com/office/drawing/2014/main" id="{04AFA8D9-1872-576A-B338-D6C5678E5298}"/>
               </a:ext>
             </a:extLst>
           </p:cNvPr>
@@ -504,7 +504,7 @@
           <a:bodyPr/>
           <a:lstStyle/>
           <a:p>
-            <a:fld id="{47D19B23-0ECA-4758-B2AF-71BE52C36C56}" type="slidenum">
+            <a:fld id="{7CA3BEC4-9EC8-4A35-9F9F-A4314C783650}" type="slidenum">
               <a:rPr lang="zh-CN" altLang="en-US" smtClean="0"/>
               <a:t>‹#›</a:t>
             </a:fld>
@@ -515,7 +515,7 @@
     </p:spTree>
     <p:extLst>
       <p:ext uri="{BB962C8B-B14F-4D97-AF65-F5344CB8AC3E}">
-        <p14:creationId xmlns:p14="http://schemas.microsoft.com/office/powerpoint/2010/main" val="620824890"/>
+        <p14:creationId xmlns:p14="http://schemas.microsoft.com/office/powerpoint/2010/main" val="499702447"/>
       </p:ext>
     </p:extLst>
   </p:cSld>
@@ -547,7 +547,7 @@
           <p:cNvPr id="2" name="竖排标题 1">
             <a:extLst>
               <a:ext uri="{FF2B5EF4-FFF2-40B4-BE49-F238E27FC236}">
-                <a16:creationId xmlns:a16="http://schemas.microsoft.com/office/drawing/2014/main" id="{9C943A88-F128-AE12-047F-EB519AC66F1F}"/>
+                <a16:creationId xmlns:a16="http://schemas.microsoft.com/office/drawing/2014/main" id="{4DC1EE3E-D5EE-7AD2-3AF3-778EE0ECDA45}"/>
               </a:ext>
             </a:extLst>
           </p:cNvPr>
@@ -580,7 +580,7 @@
           <p:cNvPr id="3" name="竖排文字占位符 2">
             <a:extLst>
               <a:ext uri="{FF2B5EF4-FFF2-40B4-BE49-F238E27FC236}">
-                <a16:creationId xmlns:a16="http://schemas.microsoft.com/office/drawing/2014/main" id="{3497C0ED-34C2-1D1D-5720-39D97465F2CB}"/>
+                <a16:creationId xmlns:a16="http://schemas.microsoft.com/office/drawing/2014/main" id="{F9EC43CF-A9B6-619C-A6C0-4565EBB14353}"/>
               </a:ext>
             </a:extLst>
           </p:cNvPr>
@@ -642,7 +642,7 @@
           <p:cNvPr id="4" name="日期占位符 3">
             <a:extLst>
               <a:ext uri="{FF2B5EF4-FFF2-40B4-BE49-F238E27FC236}">
-                <a16:creationId xmlns:a16="http://schemas.microsoft.com/office/drawing/2014/main" id="{43B86E7E-7122-64F5-7FE5-EC24BB75283E}"/>
+                <a16:creationId xmlns:a16="http://schemas.microsoft.com/office/drawing/2014/main" id="{D5D7173D-2D94-FC22-6D0F-5C0924A270BF}"/>
               </a:ext>
             </a:extLst>
           </p:cNvPr>
@@ -658,7 +658,7 @@
           <a:bodyPr/>
           <a:lstStyle/>
           <a:p>
-            <a:fld id="{F8277FB6-167B-422F-B3F1-AA19C09DCE61}" type="datetimeFigureOut">
+            <a:fld id="{3CDED86D-729B-4571-8F5B-A924490EA5F6}" type="datetimeFigureOut">
               <a:rPr lang="zh-CN" altLang="en-US" smtClean="0"/>
               <a:t>2024/3/10</a:t>
             </a:fld>
@@ -671,7 +671,7 @@
           <p:cNvPr id="5" name="页脚占位符 4">
             <a:extLst>
               <a:ext uri="{FF2B5EF4-FFF2-40B4-BE49-F238E27FC236}">
-                <a16:creationId xmlns:a16="http://schemas.microsoft.com/office/drawing/2014/main" id="{DD580225-6912-8CB7-84A7-496F34DC13BD}"/>
+                <a16:creationId xmlns:a16="http://schemas.microsoft.com/office/drawing/2014/main" id="{8AD4B164-1530-DFA8-B80B-F359C6CD39E4}"/>
               </a:ext>
             </a:extLst>
           </p:cNvPr>
@@ -696,7 +696,7 @@
           <p:cNvPr id="6" name="灯片编号占位符 5">
             <a:extLst>
               <a:ext uri="{FF2B5EF4-FFF2-40B4-BE49-F238E27FC236}">
-                <a16:creationId xmlns:a16="http://schemas.microsoft.com/office/drawing/2014/main" id="{01655F01-2C74-67AC-263D-A5A7F857DFA1}"/>
+                <a16:creationId xmlns:a16="http://schemas.microsoft.com/office/drawing/2014/main" id="{B6941845-6D57-F8AD-80D6-FEB81086EFE0}"/>
               </a:ext>
             </a:extLst>
           </p:cNvPr>
@@ -712,7 +712,7 @@
           <a:bodyPr/>
           <a:lstStyle/>
           <a:p>
-            <a:fld id="{47D19B23-0ECA-4758-B2AF-71BE52C36C56}" type="slidenum">
+            <a:fld id="{7CA3BEC4-9EC8-4A35-9F9F-A4314C783650}" type="slidenum">
               <a:rPr lang="zh-CN" altLang="en-US" smtClean="0"/>
               <a:t>‹#›</a:t>
             </a:fld>
@@ -723,7 +723,7 @@
     </p:spTree>
     <p:extLst>
       <p:ext uri="{BB962C8B-B14F-4D97-AF65-F5344CB8AC3E}">
-        <p14:creationId xmlns:p14="http://schemas.microsoft.com/office/powerpoint/2010/main" val="471511970"/>
+        <p14:creationId xmlns:p14="http://schemas.microsoft.com/office/powerpoint/2010/main" val="381974845"/>
       </p:ext>
     </p:extLst>
   </p:cSld>
@@ -755,7 +755,7 @@
           <p:cNvPr id="2" name="标题 1">
             <a:extLst>
               <a:ext uri="{FF2B5EF4-FFF2-40B4-BE49-F238E27FC236}">
-                <a16:creationId xmlns:a16="http://schemas.microsoft.com/office/drawing/2014/main" id="{FE20759C-DFC8-3C7C-D8CB-4743C3F98539}"/>
+                <a16:creationId xmlns:a16="http://schemas.microsoft.com/office/drawing/2014/main" id="{2E5F0110-2B7A-5AA4-6B6F-4C359CBD27EC}"/>
               </a:ext>
             </a:extLst>
           </p:cNvPr>
@@ -783,7 +783,7 @@
           <p:cNvPr id="3" name="内容占位符 2">
             <a:extLst>
               <a:ext uri="{FF2B5EF4-FFF2-40B4-BE49-F238E27FC236}">
-                <a16:creationId xmlns:a16="http://schemas.microsoft.com/office/drawing/2014/main" id="{5FE490E3-0987-205C-B35E-1F0413D2B1FA}"/>
+                <a16:creationId xmlns:a16="http://schemas.microsoft.com/office/drawing/2014/main" id="{E825416A-2F44-7692-47A2-8994B4A2CE8F}"/>
               </a:ext>
             </a:extLst>
           </p:cNvPr>
@@ -840,7 +840,7 @@
           <p:cNvPr id="4" name="日期占位符 3">
             <a:extLst>
               <a:ext uri="{FF2B5EF4-FFF2-40B4-BE49-F238E27FC236}">
-                <a16:creationId xmlns:a16="http://schemas.microsoft.com/office/drawing/2014/main" id="{BC78E020-2917-2276-B017-839044B578BD}"/>
+                <a16:creationId xmlns:a16="http://schemas.microsoft.com/office/drawing/2014/main" id="{1479B494-9F56-91FA-C298-AEB0A0C7244E}"/>
               </a:ext>
             </a:extLst>
           </p:cNvPr>
@@ -856,7 +856,7 @@
           <a:bodyPr/>
           <a:lstStyle/>
           <a:p>
-            <a:fld id="{F8277FB6-167B-422F-B3F1-AA19C09DCE61}" type="datetimeFigureOut">
+            <a:fld id="{3CDED86D-729B-4571-8F5B-A924490EA5F6}" type="datetimeFigureOut">
               <a:rPr lang="zh-CN" altLang="en-US" smtClean="0"/>
               <a:t>2024/3/10</a:t>
             </a:fld>
@@ -869,7 +869,7 @@
           <p:cNvPr id="5" name="页脚占位符 4">
             <a:extLst>
               <a:ext uri="{FF2B5EF4-FFF2-40B4-BE49-F238E27FC236}">
-                <a16:creationId xmlns:a16="http://schemas.microsoft.com/office/drawing/2014/main" id="{55E31012-1034-3EBF-ACE1-0015C25244EF}"/>
+                <a16:creationId xmlns:a16="http://schemas.microsoft.com/office/drawing/2014/main" id="{8C6EA69E-AFBE-9A5B-2507-D336E2433DE3}"/>
               </a:ext>
             </a:extLst>
           </p:cNvPr>
@@ -894,7 +894,7 @@
           <p:cNvPr id="6" name="灯片编号占位符 5">
             <a:extLst>
               <a:ext uri="{FF2B5EF4-FFF2-40B4-BE49-F238E27FC236}">
-                <a16:creationId xmlns:a16="http://schemas.microsoft.com/office/drawing/2014/main" id="{6FA1DDE5-B391-5FA1-F101-0C52EF9EA106}"/>
+                <a16:creationId xmlns:a16="http://schemas.microsoft.com/office/drawing/2014/main" id="{AEFF8A3E-9090-FDFA-3F67-F70B959C5F88}"/>
               </a:ext>
             </a:extLst>
           </p:cNvPr>
@@ -910,7 +910,7 @@
           <a:bodyPr/>
           <a:lstStyle/>
           <a:p>
-            <a:fld id="{47D19B23-0ECA-4758-B2AF-71BE52C36C56}" type="slidenum">
+            <a:fld id="{7CA3BEC4-9EC8-4A35-9F9F-A4314C783650}" type="slidenum">
               <a:rPr lang="zh-CN" altLang="en-US" smtClean="0"/>
               <a:t>‹#›</a:t>
             </a:fld>
@@ -921,7 +921,7 @@
     </p:spTree>
     <p:extLst>
       <p:ext uri="{BB962C8B-B14F-4D97-AF65-F5344CB8AC3E}">
-        <p14:creationId xmlns:p14="http://schemas.microsoft.com/office/powerpoint/2010/main" val="3514633720"/>
+        <p14:creationId xmlns:p14="http://schemas.microsoft.com/office/powerpoint/2010/main" val="162730091"/>
       </p:ext>
     </p:extLst>
   </p:cSld>
@@ -953,7 +953,7 @@
           <p:cNvPr id="2" name="标题 1">
             <a:extLst>
               <a:ext uri="{FF2B5EF4-FFF2-40B4-BE49-F238E27FC236}">
-                <a16:creationId xmlns:a16="http://schemas.microsoft.com/office/drawing/2014/main" id="{01863986-5C49-2111-4B9E-2CECC619AF44}"/>
+                <a16:creationId xmlns:a16="http://schemas.microsoft.com/office/drawing/2014/main" id="{3F125B48-3118-6713-43FB-8B0528992B40}"/>
               </a:ext>
             </a:extLst>
           </p:cNvPr>
@@ -990,7 +990,7 @@
           <p:cNvPr id="3" name="文本占位符 2">
             <a:extLst>
               <a:ext uri="{FF2B5EF4-FFF2-40B4-BE49-F238E27FC236}">
-                <a16:creationId xmlns:a16="http://schemas.microsoft.com/office/drawing/2014/main" id="{1E0323AC-DB86-A874-7A28-46E3E8C4EE90}"/>
+                <a16:creationId xmlns:a16="http://schemas.microsoft.com/office/drawing/2014/main" id="{4682EADF-EDC7-CEE9-AFBC-E19411354126}"/>
               </a:ext>
             </a:extLst>
           </p:cNvPr>
@@ -1115,7 +1115,7 @@
           <p:cNvPr id="4" name="日期占位符 3">
             <a:extLst>
               <a:ext uri="{FF2B5EF4-FFF2-40B4-BE49-F238E27FC236}">
-                <a16:creationId xmlns:a16="http://schemas.microsoft.com/office/drawing/2014/main" id="{AE837B84-3937-135D-8261-B662F800BFE9}"/>
+                <a16:creationId xmlns:a16="http://schemas.microsoft.com/office/drawing/2014/main" id="{15481042-FC52-5BEE-542F-9350C0C11497}"/>
               </a:ext>
             </a:extLst>
           </p:cNvPr>
@@ -1131,7 +1131,7 @@
           <a:bodyPr/>
           <a:lstStyle/>
           <a:p>
-            <a:fld id="{F8277FB6-167B-422F-B3F1-AA19C09DCE61}" type="datetimeFigureOut">
+            <a:fld id="{3CDED86D-729B-4571-8F5B-A924490EA5F6}" type="datetimeFigureOut">
               <a:rPr lang="zh-CN" altLang="en-US" smtClean="0"/>
               <a:t>2024/3/10</a:t>
             </a:fld>
@@ -1144,7 +1144,7 @@
           <p:cNvPr id="5" name="页脚占位符 4">
             <a:extLst>
               <a:ext uri="{FF2B5EF4-FFF2-40B4-BE49-F238E27FC236}">
-                <a16:creationId xmlns:a16="http://schemas.microsoft.com/office/drawing/2014/main" id="{4A8F29C7-289E-3A6E-6B4D-28970025BAC7}"/>
+                <a16:creationId xmlns:a16="http://schemas.microsoft.com/office/drawing/2014/main" id="{423760A6-2ACB-4951-65D7-8995832C76E9}"/>
               </a:ext>
             </a:extLst>
           </p:cNvPr>
@@ -1169,7 +1169,7 @@
           <p:cNvPr id="6" name="灯片编号占位符 5">
             <a:extLst>
               <a:ext uri="{FF2B5EF4-FFF2-40B4-BE49-F238E27FC236}">
-                <a16:creationId xmlns:a16="http://schemas.microsoft.com/office/drawing/2014/main" id="{3E54BB7A-AC46-91C4-B4C3-EB5CBA86116B}"/>
+                <a16:creationId xmlns:a16="http://schemas.microsoft.com/office/drawing/2014/main" id="{F2421F4E-F65D-2E5B-F186-8C35616D5AF6}"/>
               </a:ext>
             </a:extLst>
           </p:cNvPr>
@@ -1185,7 +1185,7 @@
           <a:bodyPr/>
           <a:lstStyle/>
           <a:p>
-            <a:fld id="{47D19B23-0ECA-4758-B2AF-71BE52C36C56}" type="slidenum">
+            <a:fld id="{7CA3BEC4-9EC8-4A35-9F9F-A4314C783650}" type="slidenum">
               <a:rPr lang="zh-CN" altLang="en-US" smtClean="0"/>
               <a:t>‹#›</a:t>
             </a:fld>
@@ -1196,7 +1196,7 @@
     </p:spTree>
     <p:extLst>
       <p:ext uri="{BB962C8B-B14F-4D97-AF65-F5344CB8AC3E}">
-        <p14:creationId xmlns:p14="http://schemas.microsoft.com/office/powerpoint/2010/main" val="481700731"/>
+        <p14:creationId xmlns:p14="http://schemas.microsoft.com/office/powerpoint/2010/main" val="2925273931"/>
       </p:ext>
     </p:extLst>
   </p:cSld>
@@ -1228,7 +1228,7 @@
           <p:cNvPr id="2" name="标题 1">
             <a:extLst>
               <a:ext uri="{FF2B5EF4-FFF2-40B4-BE49-F238E27FC236}">
-                <a16:creationId xmlns:a16="http://schemas.microsoft.com/office/drawing/2014/main" id="{6C0D402F-EC7A-F4A5-7070-0B73448FCE6E}"/>
+                <a16:creationId xmlns:a16="http://schemas.microsoft.com/office/drawing/2014/main" id="{328BF513-A37C-A0FB-7B04-84358C30516E}"/>
               </a:ext>
             </a:extLst>
           </p:cNvPr>
@@ -1256,7 +1256,7 @@
           <p:cNvPr id="3" name="内容占位符 2">
             <a:extLst>
               <a:ext uri="{FF2B5EF4-FFF2-40B4-BE49-F238E27FC236}">
-                <a16:creationId xmlns:a16="http://schemas.microsoft.com/office/drawing/2014/main" id="{92AC4B9A-3735-2361-65C6-0E3A4841CF9E}"/>
+                <a16:creationId xmlns:a16="http://schemas.microsoft.com/office/drawing/2014/main" id="{DC634909-5D63-DD04-6511-3FE219C81F62}"/>
               </a:ext>
             </a:extLst>
           </p:cNvPr>
@@ -1318,7 +1318,7 @@
           <p:cNvPr id="4" name="内容占位符 3">
             <a:extLst>
               <a:ext uri="{FF2B5EF4-FFF2-40B4-BE49-F238E27FC236}">
-                <a16:creationId xmlns:a16="http://schemas.microsoft.com/office/drawing/2014/main" id="{432507E0-C745-7DA7-B104-F3134607607C}"/>
+                <a16:creationId xmlns:a16="http://schemas.microsoft.com/office/drawing/2014/main" id="{D0C7EE28-9C66-09B9-0B4D-15860CC79938}"/>
               </a:ext>
             </a:extLst>
           </p:cNvPr>
@@ -1380,7 +1380,7 @@
           <p:cNvPr id="5" name="日期占位符 4">
             <a:extLst>
               <a:ext uri="{FF2B5EF4-FFF2-40B4-BE49-F238E27FC236}">
-                <a16:creationId xmlns:a16="http://schemas.microsoft.com/office/drawing/2014/main" id="{38B58372-A161-832F-E912-A3B2A6A879DF}"/>
+                <a16:creationId xmlns:a16="http://schemas.microsoft.com/office/drawing/2014/main" id="{D0754BCF-5521-8F1F-B740-66D3D11E4A8F}"/>
               </a:ext>
             </a:extLst>
           </p:cNvPr>
@@ -1396,7 +1396,7 @@
           <a:bodyPr/>
           <a:lstStyle/>
           <a:p>
-            <a:fld id="{F8277FB6-167B-422F-B3F1-AA19C09DCE61}" type="datetimeFigureOut">
+            <a:fld id="{3CDED86D-729B-4571-8F5B-A924490EA5F6}" type="datetimeFigureOut">
               <a:rPr lang="zh-CN" altLang="en-US" smtClean="0"/>
               <a:t>2024/3/10</a:t>
             </a:fld>
@@ -1409,7 +1409,7 @@
           <p:cNvPr id="6" name="页脚占位符 5">
             <a:extLst>
               <a:ext uri="{FF2B5EF4-FFF2-40B4-BE49-F238E27FC236}">
-                <a16:creationId xmlns:a16="http://schemas.microsoft.com/office/drawing/2014/main" id="{AF867064-A40E-00F0-3549-D7BF4F77535D}"/>
+                <a16:creationId xmlns:a16="http://schemas.microsoft.com/office/drawing/2014/main" id="{53F4EC93-A686-D66F-F7C4-C9FFFA6E7AFA}"/>
               </a:ext>
             </a:extLst>
           </p:cNvPr>
@@ -1434,7 +1434,7 @@
           <p:cNvPr id="7" name="灯片编号占位符 6">
             <a:extLst>
               <a:ext uri="{FF2B5EF4-FFF2-40B4-BE49-F238E27FC236}">
-                <a16:creationId xmlns:a16="http://schemas.microsoft.com/office/drawing/2014/main" id="{BCC494E9-0E30-78C2-5712-EE433CD87969}"/>
+                <a16:creationId xmlns:a16="http://schemas.microsoft.com/office/drawing/2014/main" id="{3BEF97E4-3AD9-174B-E5B8-542F2B4447FA}"/>
               </a:ext>
             </a:extLst>
           </p:cNvPr>
@@ -1450,7 +1450,7 @@
           <a:bodyPr/>
           <a:lstStyle/>
           <a:p>
-            <a:fld id="{47D19B23-0ECA-4758-B2AF-71BE52C36C56}" type="slidenum">
+            <a:fld id="{7CA3BEC4-9EC8-4A35-9F9F-A4314C783650}" type="slidenum">
               <a:rPr lang="zh-CN" altLang="en-US" smtClean="0"/>
               <a:t>‹#›</a:t>
             </a:fld>
@@ -1461,7 +1461,7 @@
     </p:spTree>
     <p:extLst>
       <p:ext uri="{BB962C8B-B14F-4D97-AF65-F5344CB8AC3E}">
-        <p14:creationId xmlns:p14="http://schemas.microsoft.com/office/powerpoint/2010/main" val="731792888"/>
+        <p14:creationId xmlns:p14="http://schemas.microsoft.com/office/powerpoint/2010/main" val="1261660698"/>
       </p:ext>
     </p:extLst>
   </p:cSld>
@@ -1493,7 +1493,7 @@
           <p:cNvPr id="2" name="标题 1">
             <a:extLst>
               <a:ext uri="{FF2B5EF4-FFF2-40B4-BE49-F238E27FC236}">
-                <a16:creationId xmlns:a16="http://schemas.microsoft.com/office/drawing/2014/main" id="{9711CF03-F757-035F-B8B9-D3C46620D88F}"/>
+                <a16:creationId xmlns:a16="http://schemas.microsoft.com/office/drawing/2014/main" id="{5AAE743D-CBA1-7634-D23D-D1FCB84C4672}"/>
               </a:ext>
             </a:extLst>
           </p:cNvPr>
@@ -1526,7 +1526,7 @@
           <p:cNvPr id="3" name="文本占位符 2">
             <a:extLst>
               <a:ext uri="{FF2B5EF4-FFF2-40B4-BE49-F238E27FC236}">
-                <a16:creationId xmlns:a16="http://schemas.microsoft.com/office/drawing/2014/main" id="{C47C2743-A6BF-503B-82D8-2AF794425972}"/>
+                <a16:creationId xmlns:a16="http://schemas.microsoft.com/office/drawing/2014/main" id="{86830DE0-8BD6-E5D0-08BC-500A29D87385}"/>
               </a:ext>
             </a:extLst>
           </p:cNvPr>
@@ -1597,7 +1597,7 @@
           <p:cNvPr id="4" name="内容占位符 3">
             <a:extLst>
               <a:ext uri="{FF2B5EF4-FFF2-40B4-BE49-F238E27FC236}">
-                <a16:creationId xmlns:a16="http://schemas.microsoft.com/office/drawing/2014/main" id="{FC26E0C2-7736-8CBC-BE1D-84CCE4DEE6EC}"/>
+                <a16:creationId xmlns:a16="http://schemas.microsoft.com/office/drawing/2014/main" id="{AAB9147C-0608-B28C-9771-B96749624E36}"/>
               </a:ext>
             </a:extLst>
           </p:cNvPr>
@@ -1659,7 +1659,7 @@
           <p:cNvPr id="5" name="文本占位符 4">
             <a:extLst>
               <a:ext uri="{FF2B5EF4-FFF2-40B4-BE49-F238E27FC236}">
-                <a16:creationId xmlns:a16="http://schemas.microsoft.com/office/drawing/2014/main" id="{86BED18A-92AD-9B89-664A-84DD3C63853C}"/>
+                <a16:creationId xmlns:a16="http://schemas.microsoft.com/office/drawing/2014/main" id="{F705EE2A-B43F-5570-BA93-6D2C91AFC426}"/>
               </a:ext>
             </a:extLst>
           </p:cNvPr>
@@ -1730,7 +1730,7 @@
           <p:cNvPr id="6" name="内容占位符 5">
             <a:extLst>
               <a:ext uri="{FF2B5EF4-FFF2-40B4-BE49-F238E27FC236}">
-                <a16:creationId xmlns:a16="http://schemas.microsoft.com/office/drawing/2014/main" id="{98130F8D-BD7A-8DED-36AC-650C6267FFB9}"/>
+                <a16:creationId xmlns:a16="http://schemas.microsoft.com/office/drawing/2014/main" id="{E2A335D9-921B-D086-FCA8-269EF371DF7F}"/>
               </a:ext>
             </a:extLst>
           </p:cNvPr>
@@ -1792,7 +1792,7 @@
           <p:cNvPr id="7" name="日期占位符 6">
             <a:extLst>
               <a:ext uri="{FF2B5EF4-FFF2-40B4-BE49-F238E27FC236}">
-                <a16:creationId xmlns:a16="http://schemas.microsoft.com/office/drawing/2014/main" id="{A104FCF4-567A-AB5A-CF54-40DBC9C22743}"/>
+                <a16:creationId xmlns:a16="http://schemas.microsoft.com/office/drawing/2014/main" id="{3F7AC3F5-D195-0F54-24F2-A259C06AC278}"/>
               </a:ext>
             </a:extLst>
           </p:cNvPr>
@@ -1808,7 +1808,7 @@
           <a:bodyPr/>
           <a:lstStyle/>
           <a:p>
-            <a:fld id="{F8277FB6-167B-422F-B3F1-AA19C09DCE61}" type="datetimeFigureOut">
+            <a:fld id="{3CDED86D-729B-4571-8F5B-A924490EA5F6}" type="datetimeFigureOut">
               <a:rPr lang="zh-CN" altLang="en-US" smtClean="0"/>
               <a:t>2024/3/10</a:t>
             </a:fld>
@@ -1821,7 +1821,7 @@
           <p:cNvPr id="8" name="页脚占位符 7">
             <a:extLst>
               <a:ext uri="{FF2B5EF4-FFF2-40B4-BE49-F238E27FC236}">
-                <a16:creationId xmlns:a16="http://schemas.microsoft.com/office/drawing/2014/main" id="{6057F6D0-DA67-A3B8-09FE-91302A882207}"/>
+                <a16:creationId xmlns:a16="http://schemas.microsoft.com/office/drawing/2014/main" id="{F4C642AA-1E6A-993E-62C7-739CECFD1F65}"/>
               </a:ext>
             </a:extLst>
           </p:cNvPr>
@@ -1846,7 +1846,7 @@
           <p:cNvPr id="9" name="灯片编号占位符 8">
             <a:extLst>
               <a:ext uri="{FF2B5EF4-FFF2-40B4-BE49-F238E27FC236}">
-                <a16:creationId xmlns:a16="http://schemas.microsoft.com/office/drawing/2014/main" id="{1CFA8660-32A2-F0FD-BC3B-C40CB7B992EC}"/>
+                <a16:creationId xmlns:a16="http://schemas.microsoft.com/office/drawing/2014/main" id="{8831C6D0-1CC6-32AC-5AB2-1365961D9173}"/>
               </a:ext>
             </a:extLst>
           </p:cNvPr>
@@ -1862,7 +1862,7 @@
           <a:bodyPr/>
           <a:lstStyle/>
           <a:p>
-            <a:fld id="{47D19B23-0ECA-4758-B2AF-71BE52C36C56}" type="slidenum">
+            <a:fld id="{7CA3BEC4-9EC8-4A35-9F9F-A4314C783650}" type="slidenum">
               <a:rPr lang="zh-CN" altLang="en-US" smtClean="0"/>
               <a:t>‹#›</a:t>
             </a:fld>
@@ -1873,7 +1873,7 @@
     </p:spTree>
     <p:extLst>
       <p:ext uri="{BB962C8B-B14F-4D97-AF65-F5344CB8AC3E}">
-        <p14:creationId xmlns:p14="http://schemas.microsoft.com/office/powerpoint/2010/main" val="4200860793"/>
+        <p14:creationId xmlns:p14="http://schemas.microsoft.com/office/powerpoint/2010/main" val="289330612"/>
       </p:ext>
     </p:extLst>
   </p:cSld>
@@ -1905,7 +1905,7 @@
           <p:cNvPr id="2" name="标题 1">
             <a:extLst>
               <a:ext uri="{FF2B5EF4-FFF2-40B4-BE49-F238E27FC236}">
-                <a16:creationId xmlns:a16="http://schemas.microsoft.com/office/drawing/2014/main" id="{ACBB7B08-F1C8-A16A-E4D5-6526388C80DB}"/>
+                <a16:creationId xmlns:a16="http://schemas.microsoft.com/office/drawing/2014/main" id="{7606FECB-B4D4-6565-B67B-400654792789}"/>
               </a:ext>
             </a:extLst>
           </p:cNvPr>
@@ -1933,7 +1933,7 @@
           <p:cNvPr id="3" name="日期占位符 2">
             <a:extLst>
               <a:ext uri="{FF2B5EF4-FFF2-40B4-BE49-F238E27FC236}">
-                <a16:creationId xmlns:a16="http://schemas.microsoft.com/office/drawing/2014/main" id="{F17F8554-CBBD-3ABF-529B-617507C801D1}"/>
+                <a16:creationId xmlns:a16="http://schemas.microsoft.com/office/drawing/2014/main" id="{75A61DBA-6F00-7FAD-56AF-D13124375FBA}"/>
               </a:ext>
             </a:extLst>
           </p:cNvPr>
@@ -1949,7 +1949,7 @@
           <a:bodyPr/>
           <a:lstStyle/>
           <a:p>
-            <a:fld id="{F8277FB6-167B-422F-B3F1-AA19C09DCE61}" type="datetimeFigureOut">
+            <a:fld id="{3CDED86D-729B-4571-8F5B-A924490EA5F6}" type="datetimeFigureOut">
               <a:rPr lang="zh-CN" altLang="en-US" smtClean="0"/>
               <a:t>2024/3/10</a:t>
             </a:fld>
@@ -1962,7 +1962,7 @@
           <p:cNvPr id="4" name="页脚占位符 3">
             <a:extLst>
               <a:ext uri="{FF2B5EF4-FFF2-40B4-BE49-F238E27FC236}">
-                <a16:creationId xmlns:a16="http://schemas.microsoft.com/office/drawing/2014/main" id="{2842E3AB-53A3-20F0-9D9C-B84A16A3A466}"/>
+                <a16:creationId xmlns:a16="http://schemas.microsoft.com/office/drawing/2014/main" id="{5CED5245-1E95-FEC1-E89D-4DBC39B0DF56}"/>
               </a:ext>
             </a:extLst>
           </p:cNvPr>
@@ -1987,7 +1987,7 @@
           <p:cNvPr id="5" name="灯片编号占位符 4">
             <a:extLst>
               <a:ext uri="{FF2B5EF4-FFF2-40B4-BE49-F238E27FC236}">
-                <a16:creationId xmlns:a16="http://schemas.microsoft.com/office/drawing/2014/main" id="{A31DD4D9-E98A-61B5-0F27-525BE7EF45BD}"/>
+                <a16:creationId xmlns:a16="http://schemas.microsoft.com/office/drawing/2014/main" id="{270B4945-B434-68CA-5A6B-8F06A5E642EA}"/>
               </a:ext>
             </a:extLst>
           </p:cNvPr>
@@ -2003,7 +2003,7 @@
           <a:bodyPr/>
           <a:lstStyle/>
           <a:p>
-            <a:fld id="{47D19B23-0ECA-4758-B2AF-71BE52C36C56}" type="slidenum">
+            <a:fld id="{7CA3BEC4-9EC8-4A35-9F9F-A4314C783650}" type="slidenum">
               <a:rPr lang="zh-CN" altLang="en-US" smtClean="0"/>
               <a:t>‹#›</a:t>
             </a:fld>
@@ -2014,7 +2014,7 @@
     </p:spTree>
     <p:extLst>
       <p:ext uri="{BB962C8B-B14F-4D97-AF65-F5344CB8AC3E}">
-        <p14:creationId xmlns:p14="http://schemas.microsoft.com/office/powerpoint/2010/main" val="3447919861"/>
+        <p14:creationId xmlns:p14="http://schemas.microsoft.com/office/powerpoint/2010/main" val="1953484373"/>
       </p:ext>
     </p:extLst>
   </p:cSld>
@@ -2046,7 +2046,7 @@
           <p:cNvPr id="2" name="日期占位符 1">
             <a:extLst>
               <a:ext uri="{FF2B5EF4-FFF2-40B4-BE49-F238E27FC236}">
-                <a16:creationId xmlns:a16="http://schemas.microsoft.com/office/drawing/2014/main" id="{CB3ADA33-F71C-BBDE-E96B-F420E142D963}"/>
+                <a16:creationId xmlns:a16="http://schemas.microsoft.com/office/drawing/2014/main" id="{3F92D3DC-8559-A01B-B0AE-44B2A9DE05F0}"/>
               </a:ext>
             </a:extLst>
           </p:cNvPr>
@@ -2062,7 +2062,7 @@
           <a:bodyPr/>
           <a:lstStyle/>
           <a:p>
-            <a:fld id="{F8277FB6-167B-422F-B3F1-AA19C09DCE61}" type="datetimeFigureOut">
+            <a:fld id="{3CDED86D-729B-4571-8F5B-A924490EA5F6}" type="datetimeFigureOut">
               <a:rPr lang="zh-CN" altLang="en-US" smtClean="0"/>
               <a:t>2024/3/10</a:t>
             </a:fld>
@@ -2075,7 +2075,7 @@
           <p:cNvPr id="3" name="页脚占位符 2">
             <a:extLst>
               <a:ext uri="{FF2B5EF4-FFF2-40B4-BE49-F238E27FC236}">
-                <a16:creationId xmlns:a16="http://schemas.microsoft.com/office/drawing/2014/main" id="{84E531A8-D654-E09E-9DED-9FE485846395}"/>
+                <a16:creationId xmlns:a16="http://schemas.microsoft.com/office/drawing/2014/main" id="{65240D60-EF3D-4A4A-2015-34A2C3EDE5AB}"/>
               </a:ext>
             </a:extLst>
           </p:cNvPr>
@@ -2100,7 +2100,7 @@
           <p:cNvPr id="4" name="灯片编号占位符 3">
             <a:extLst>
               <a:ext uri="{FF2B5EF4-FFF2-40B4-BE49-F238E27FC236}">
-                <a16:creationId xmlns:a16="http://schemas.microsoft.com/office/drawing/2014/main" id="{2D8A2151-7CBC-F4CE-5CE4-6CDDA6123C2A}"/>
+                <a16:creationId xmlns:a16="http://schemas.microsoft.com/office/drawing/2014/main" id="{15BED3A5-DFD3-ABA9-5590-C023B1B066C7}"/>
               </a:ext>
             </a:extLst>
           </p:cNvPr>
@@ -2116,7 +2116,7 @@
           <a:bodyPr/>
           <a:lstStyle/>
           <a:p>
-            <a:fld id="{47D19B23-0ECA-4758-B2AF-71BE52C36C56}" type="slidenum">
+            <a:fld id="{7CA3BEC4-9EC8-4A35-9F9F-A4314C783650}" type="slidenum">
               <a:rPr lang="zh-CN" altLang="en-US" smtClean="0"/>
               <a:t>‹#›</a:t>
             </a:fld>
@@ -2127,7 +2127,7 @@
     </p:spTree>
     <p:extLst>
       <p:ext uri="{BB962C8B-B14F-4D97-AF65-F5344CB8AC3E}">
-        <p14:creationId xmlns:p14="http://schemas.microsoft.com/office/powerpoint/2010/main" val="3765592448"/>
+        <p14:creationId xmlns:p14="http://schemas.microsoft.com/office/powerpoint/2010/main" val="3167305791"/>
       </p:ext>
     </p:extLst>
   </p:cSld>
@@ -2159,7 +2159,7 @@
           <p:cNvPr id="2" name="标题 1">
             <a:extLst>
               <a:ext uri="{FF2B5EF4-FFF2-40B4-BE49-F238E27FC236}">
-                <a16:creationId xmlns:a16="http://schemas.microsoft.com/office/drawing/2014/main" id="{4B958D5A-5417-7B20-C13B-F92D91438AAB}"/>
+                <a16:creationId xmlns:a16="http://schemas.microsoft.com/office/drawing/2014/main" id="{60C5FBB8-0686-F1F2-F89E-3A5EDCDB71E5}"/>
               </a:ext>
             </a:extLst>
           </p:cNvPr>
@@ -2196,7 +2196,7 @@
           <p:cNvPr id="3" name="内容占位符 2">
             <a:extLst>
               <a:ext uri="{FF2B5EF4-FFF2-40B4-BE49-F238E27FC236}">
-                <a16:creationId xmlns:a16="http://schemas.microsoft.com/office/drawing/2014/main" id="{23939DD0-B270-8755-36C0-2CFCC53B526A}"/>
+                <a16:creationId xmlns:a16="http://schemas.microsoft.com/office/drawing/2014/main" id="{E01476AF-1D61-0DE5-3C70-BE64F37B84A4}"/>
               </a:ext>
             </a:extLst>
           </p:cNvPr>
@@ -2286,7 +2286,7 @@
           <p:cNvPr id="4" name="文本占位符 3">
             <a:extLst>
               <a:ext uri="{FF2B5EF4-FFF2-40B4-BE49-F238E27FC236}">
-                <a16:creationId xmlns:a16="http://schemas.microsoft.com/office/drawing/2014/main" id="{23D90806-8564-B766-4136-4849B409A235}"/>
+                <a16:creationId xmlns:a16="http://schemas.microsoft.com/office/drawing/2014/main" id="{0A7452B5-8E47-510C-0EB8-4BF1105D7618}"/>
               </a:ext>
             </a:extLst>
           </p:cNvPr>
@@ -2357,7 +2357,7 @@
           <p:cNvPr id="5" name="日期占位符 4">
             <a:extLst>
               <a:ext uri="{FF2B5EF4-FFF2-40B4-BE49-F238E27FC236}">
-                <a16:creationId xmlns:a16="http://schemas.microsoft.com/office/drawing/2014/main" id="{2A802E9D-2952-C9A2-ADAC-6C47150C7B49}"/>
+                <a16:creationId xmlns:a16="http://schemas.microsoft.com/office/drawing/2014/main" id="{672EE6D7-11C2-13E7-9DAC-FC682C10DF29}"/>
               </a:ext>
             </a:extLst>
           </p:cNvPr>
@@ -2373,7 +2373,7 @@
           <a:bodyPr/>
           <a:lstStyle/>
           <a:p>
-            <a:fld id="{F8277FB6-167B-422F-B3F1-AA19C09DCE61}" type="datetimeFigureOut">
+            <a:fld id="{3CDED86D-729B-4571-8F5B-A924490EA5F6}" type="datetimeFigureOut">
               <a:rPr lang="zh-CN" altLang="en-US" smtClean="0"/>
               <a:t>2024/3/10</a:t>
             </a:fld>
@@ -2386,7 +2386,7 @@
           <p:cNvPr id="6" name="页脚占位符 5">
             <a:extLst>
               <a:ext uri="{FF2B5EF4-FFF2-40B4-BE49-F238E27FC236}">
-                <a16:creationId xmlns:a16="http://schemas.microsoft.com/office/drawing/2014/main" id="{0DDF26AC-A1C2-269D-75B2-1900652F6F09}"/>
+                <a16:creationId xmlns:a16="http://schemas.microsoft.com/office/drawing/2014/main" id="{C9E1B8BE-E0A9-4EBA-510C-7D741D263F18}"/>
               </a:ext>
             </a:extLst>
           </p:cNvPr>
@@ -2411,7 +2411,7 @@
           <p:cNvPr id="7" name="灯片编号占位符 6">
             <a:extLst>
               <a:ext uri="{FF2B5EF4-FFF2-40B4-BE49-F238E27FC236}">
-                <a16:creationId xmlns:a16="http://schemas.microsoft.com/office/drawing/2014/main" id="{8438A4DC-EE4B-0BD8-A33C-F062D8B5B7C0}"/>
+                <a16:creationId xmlns:a16="http://schemas.microsoft.com/office/drawing/2014/main" id="{220045AF-32DB-7D9E-149E-E260786E68CE}"/>
               </a:ext>
             </a:extLst>
           </p:cNvPr>
@@ -2427,7 +2427,7 @@
           <a:bodyPr/>
           <a:lstStyle/>
           <a:p>
-            <a:fld id="{47D19B23-0ECA-4758-B2AF-71BE52C36C56}" type="slidenum">
+            <a:fld id="{7CA3BEC4-9EC8-4A35-9F9F-A4314C783650}" type="slidenum">
               <a:rPr lang="zh-CN" altLang="en-US" smtClean="0"/>
               <a:t>‹#›</a:t>
             </a:fld>
@@ -2438,7 +2438,7 @@
     </p:spTree>
     <p:extLst>
       <p:ext uri="{BB962C8B-B14F-4D97-AF65-F5344CB8AC3E}">
-        <p14:creationId xmlns:p14="http://schemas.microsoft.com/office/powerpoint/2010/main" val="309723163"/>
+        <p14:creationId xmlns:p14="http://schemas.microsoft.com/office/powerpoint/2010/main" val="1708469886"/>
       </p:ext>
     </p:extLst>
   </p:cSld>
@@ -2470,7 +2470,7 @@
           <p:cNvPr id="2" name="标题 1">
             <a:extLst>
               <a:ext uri="{FF2B5EF4-FFF2-40B4-BE49-F238E27FC236}">
-                <a16:creationId xmlns:a16="http://schemas.microsoft.com/office/drawing/2014/main" id="{DF07DEAD-B8D4-8A6B-0769-72AB7DF1185B}"/>
+                <a16:creationId xmlns:a16="http://schemas.microsoft.com/office/drawing/2014/main" id="{99AE84BD-C7B8-D77C-B8DA-EB6A93231123}"/>
               </a:ext>
             </a:extLst>
           </p:cNvPr>
@@ -2507,7 +2507,7 @@
           <p:cNvPr id="3" name="图片占位符 2">
             <a:extLst>
               <a:ext uri="{FF2B5EF4-FFF2-40B4-BE49-F238E27FC236}">
-                <a16:creationId xmlns:a16="http://schemas.microsoft.com/office/drawing/2014/main" id="{79F0FC46-1AB3-ADDE-317A-84D773C11DAB}"/>
+                <a16:creationId xmlns:a16="http://schemas.microsoft.com/office/drawing/2014/main" id="{916CFBD4-EF19-5BF8-E12D-142C781D9D30}"/>
               </a:ext>
             </a:extLst>
           </p:cNvPr>
@@ -2574,7 +2574,7 @@
           <p:cNvPr id="4" name="文本占位符 3">
             <a:extLst>
               <a:ext uri="{FF2B5EF4-FFF2-40B4-BE49-F238E27FC236}">
-                <a16:creationId xmlns:a16="http://schemas.microsoft.com/office/drawing/2014/main" id="{12C6FDC8-CB5F-E220-ABF9-00D56C116D92}"/>
+                <a16:creationId xmlns:a16="http://schemas.microsoft.com/office/drawing/2014/main" id="{AA261520-C196-0B96-082B-D881219C42DB}"/>
               </a:ext>
             </a:extLst>
           </p:cNvPr>
@@ -2645,7 +2645,7 @@
           <p:cNvPr id="5" name="日期占位符 4">
             <a:extLst>
               <a:ext uri="{FF2B5EF4-FFF2-40B4-BE49-F238E27FC236}">
-                <a16:creationId xmlns:a16="http://schemas.microsoft.com/office/drawing/2014/main" id="{4E0B7CC7-DDF7-8032-09F8-62A2337C2B2E}"/>
+                <a16:creationId xmlns:a16="http://schemas.microsoft.com/office/drawing/2014/main" id="{232C50D9-2360-5A39-1AB1-17B7DF5F2B28}"/>
               </a:ext>
             </a:extLst>
           </p:cNvPr>
@@ -2661,7 +2661,7 @@
           <a:bodyPr/>
           <a:lstStyle/>
           <a:p>
-            <a:fld id="{F8277FB6-167B-422F-B3F1-AA19C09DCE61}" type="datetimeFigureOut">
+            <a:fld id="{3CDED86D-729B-4571-8F5B-A924490EA5F6}" type="datetimeFigureOut">
               <a:rPr lang="zh-CN" altLang="en-US" smtClean="0"/>
               <a:t>2024/3/10</a:t>
             </a:fld>
@@ -2674,7 +2674,7 @@
           <p:cNvPr id="6" name="页脚占位符 5">
             <a:extLst>
               <a:ext uri="{FF2B5EF4-FFF2-40B4-BE49-F238E27FC236}">
-                <a16:creationId xmlns:a16="http://schemas.microsoft.com/office/drawing/2014/main" id="{303DCACF-6341-B1BE-2986-748BA7C0BA54}"/>
+                <a16:creationId xmlns:a16="http://schemas.microsoft.com/office/drawing/2014/main" id="{F21B6935-87F3-5A66-923D-0E04C521C7A1}"/>
               </a:ext>
             </a:extLst>
           </p:cNvPr>
@@ -2699,7 +2699,7 @@
           <p:cNvPr id="7" name="灯片编号占位符 6">
             <a:extLst>
               <a:ext uri="{FF2B5EF4-FFF2-40B4-BE49-F238E27FC236}">
-                <a16:creationId xmlns:a16="http://schemas.microsoft.com/office/drawing/2014/main" id="{905C87C2-095E-D462-513E-2FDE666A24F8}"/>
+                <a16:creationId xmlns:a16="http://schemas.microsoft.com/office/drawing/2014/main" id="{4127E1B5-2DF6-3F5A-DAF6-3EECA9471ED6}"/>
               </a:ext>
             </a:extLst>
           </p:cNvPr>
@@ -2715,7 +2715,7 @@
           <a:bodyPr/>
           <a:lstStyle/>
           <a:p>
-            <a:fld id="{47D19B23-0ECA-4758-B2AF-71BE52C36C56}" type="slidenum">
+            <a:fld id="{7CA3BEC4-9EC8-4A35-9F9F-A4314C783650}" type="slidenum">
               <a:rPr lang="zh-CN" altLang="en-US" smtClean="0"/>
               <a:t>‹#›</a:t>
             </a:fld>
@@ -2726,7 +2726,7 @@
     </p:spTree>
     <p:extLst>
       <p:ext uri="{BB962C8B-B14F-4D97-AF65-F5344CB8AC3E}">
-        <p14:creationId xmlns:p14="http://schemas.microsoft.com/office/powerpoint/2010/main" val="2292678666"/>
+        <p14:creationId xmlns:p14="http://schemas.microsoft.com/office/powerpoint/2010/main" val="3601903857"/>
       </p:ext>
     </p:extLst>
   </p:cSld>
@@ -2763,7 +2763,7 @@
           <p:cNvPr id="2" name="标题占位符 1">
             <a:extLst>
               <a:ext uri="{FF2B5EF4-FFF2-40B4-BE49-F238E27FC236}">
-                <a16:creationId xmlns:a16="http://schemas.microsoft.com/office/drawing/2014/main" id="{7A5F2D8E-2A49-67C0-6496-A70635A2124E}"/>
+                <a16:creationId xmlns:a16="http://schemas.microsoft.com/office/drawing/2014/main" id="{0D678056-1C7D-8235-E494-E9B0E4FAEE08}"/>
               </a:ext>
             </a:extLst>
           </p:cNvPr>
@@ -2801,7 +2801,7 @@
           <p:cNvPr id="3" name="文本占位符 2">
             <a:extLst>
               <a:ext uri="{FF2B5EF4-FFF2-40B4-BE49-F238E27FC236}">
-                <a16:creationId xmlns:a16="http://schemas.microsoft.com/office/drawing/2014/main" id="{1FFC125B-9973-0340-24FB-3C942CCB6A6F}"/>
+                <a16:creationId xmlns:a16="http://schemas.microsoft.com/office/drawing/2014/main" id="{0D2C7727-B90C-7BB4-CC03-31DD46561F31}"/>
               </a:ext>
             </a:extLst>
           </p:cNvPr>
@@ -2868,7 +2868,7 @@
           <p:cNvPr id="4" name="日期占位符 3">
             <a:extLst>
               <a:ext uri="{FF2B5EF4-FFF2-40B4-BE49-F238E27FC236}">
-                <a16:creationId xmlns:a16="http://schemas.microsoft.com/office/drawing/2014/main" id="{94B893AA-3A62-9AAE-F432-EC7548C4D81C}"/>
+                <a16:creationId xmlns:a16="http://schemas.microsoft.com/office/drawing/2014/main" id="{E810403F-D740-AA72-A822-FB331B73C9E2}"/>
               </a:ext>
             </a:extLst>
           </p:cNvPr>
@@ -2902,7 +2902,7 @@
             </a:lvl1pPr>
           </a:lstStyle>
           <a:p>
-            <a:fld id="{F8277FB6-167B-422F-B3F1-AA19C09DCE61}" type="datetimeFigureOut">
+            <a:fld id="{3CDED86D-729B-4571-8F5B-A924490EA5F6}" type="datetimeFigureOut">
               <a:rPr lang="zh-CN" altLang="en-US" smtClean="0"/>
               <a:t>2024/3/10</a:t>
             </a:fld>
@@ -2915,7 +2915,7 @@
           <p:cNvPr id="5" name="页脚占位符 4">
             <a:extLst>
               <a:ext uri="{FF2B5EF4-FFF2-40B4-BE49-F238E27FC236}">
-                <a16:creationId xmlns:a16="http://schemas.microsoft.com/office/drawing/2014/main" id="{8FD217ED-8426-43EA-178C-E4417627D4D3}"/>
+                <a16:creationId xmlns:a16="http://schemas.microsoft.com/office/drawing/2014/main" id="{ED99FEE2-5E1D-C8F3-EB6A-95873CAB855C}"/>
               </a:ext>
             </a:extLst>
           </p:cNvPr>
@@ -2958,7 +2958,7 @@
           <p:cNvPr id="6" name="灯片编号占位符 5">
             <a:extLst>
               <a:ext uri="{FF2B5EF4-FFF2-40B4-BE49-F238E27FC236}">
-                <a16:creationId xmlns:a16="http://schemas.microsoft.com/office/drawing/2014/main" id="{A5C79753-D859-8C99-F2A4-9A037450A8D4}"/>
+                <a16:creationId xmlns:a16="http://schemas.microsoft.com/office/drawing/2014/main" id="{C124689A-36E5-F79D-B4B5-5BAABAE6EE7D}"/>
               </a:ext>
             </a:extLst>
           </p:cNvPr>
@@ -2992,7 +2992,7 @@
             </a:lvl1pPr>
           </a:lstStyle>
           <a:p>
-            <a:fld id="{47D19B23-0ECA-4758-B2AF-71BE52C36C56}" type="slidenum">
+            <a:fld id="{7CA3BEC4-9EC8-4A35-9F9F-A4314C783650}" type="slidenum">
               <a:rPr lang="zh-CN" altLang="en-US" smtClean="0"/>
               <a:t>‹#›</a:t>
             </a:fld>
@@ -3003,7 +3003,7 @@
     </p:spTree>
     <p:extLst>
       <p:ext uri="{BB962C8B-B14F-4D97-AF65-F5344CB8AC3E}">
-        <p14:creationId xmlns:p14="http://schemas.microsoft.com/office/powerpoint/2010/main" val="2168138068"/>
+        <p14:creationId xmlns:p14="http://schemas.microsoft.com/office/powerpoint/2010/main" val="3985022481"/>
       </p:ext>
     </p:extLst>
   </p:cSld>
